--- a/2/incentives.pptx
+++ b/2/incentives.pptx
@@ -3557,7 +3557,21 @@
             <a:pPr lvl="1"/>
             <a:r>
               <a:rPr lang="en-US" dirty="0" smtClean="0"/>
-              <a:t>Long-term Incentives</a:t>
+              <a:t>Byzantine Generals Problem</a:t>
+            </a:r>
+          </a:p>
+          <a:p>
+            <a:pPr lvl="1"/>
+            <a:r>
+              <a:rPr lang="en-US" dirty="0" smtClean="0"/>
+              <a:t>Sybil Attacks</a:t>
+            </a:r>
+          </a:p>
+          <a:p>
+            <a:pPr lvl="1"/>
+            <a:r>
+              <a:rPr lang="en-US" dirty="0" smtClean="0"/>
+              <a:t>Bitcoin’s Solution</a:t>
             </a:r>
             <a:endParaRPr lang="en-US" dirty="0" smtClean="0"/>
           </a:p>
@@ -3568,36 +3582,25 @@
             </a:pPr>
             <a:r>
               <a:rPr lang="en-US" b="1" dirty="0" smtClean="0"/>
-              <a:t>Logistics</a:t>
-            </a:r>
+              <a:t>More</a:t>
+            </a:r>
+            <a:endParaRPr lang="en-US" b="1" dirty="0" smtClean="0"/>
           </a:p>
           <a:p>
             <a:pPr lvl="1"/>
             <a:r>
               <a:rPr lang="en-US" dirty="0" smtClean="0"/>
-              <a:t>Onboarding</a:t>
-            </a:r>
+              <a:t>Polkadot/Tendermint/Casper</a:t>
+            </a:r>
+            <a:endParaRPr lang="en-US" dirty="0" smtClean="0"/>
           </a:p>
           <a:p>
             <a:pPr lvl="1"/>
             <a:r>
               <a:rPr lang="en-US" dirty="0" smtClean="0"/>
-              <a:t>Expectations</a:t>
-            </a:r>
-          </a:p>
-          <a:p>
-            <a:pPr lvl="1"/>
-            <a:r>
-              <a:rPr lang="en-US" dirty="0" smtClean="0"/>
-              <a:t>Opportunities</a:t>
-            </a:r>
-          </a:p>
-          <a:p>
-            <a:pPr lvl="1"/>
-            <a:r>
-              <a:rPr lang="en-US" dirty="0" smtClean="0"/>
-              <a:t>Before Next Class</a:t>
-            </a:r>
+              <a:t>Other Things</a:t>
+            </a:r>
+            <a:endParaRPr lang="en-US" dirty="0" smtClean="0"/>
           </a:p>
         </p:txBody>
       </p:sp>
@@ -3935,13 +3938,8 @@
           <a:p>
             <a:r>
               <a:rPr lang="en-US" dirty="0" smtClean="0"/>
-              <a:t>All generals must agree upon 1 of the 2 plans of action (to Attack or to not). If the attack is w/o full strength, Charlottesville will </a:t>
-            </a:r>
-            <a:r>
-              <a:rPr lang="en-US" smtClean="0"/>
-              <a:t>win.</a:t>
-            </a:r>
-            <a:endParaRPr lang="en-US" dirty="0" smtClean="0"/>
+              <a:t>All generals must agree upon 1 of the 2 plans of action (to Attack or to not). If the attack is w/o full strength, Charlottesville will win.</a:t>
+            </a:r>
           </a:p>
           <a:p>
             <a:endParaRPr lang="en-US" dirty="0"/>

--- a/2/incentives.pptx
+++ b/2/incentives.pptx
@@ -16,7 +16,6 @@
     <p:sldId id="310" r:id="rId10"/>
     <p:sldId id="302" r:id="rId11"/>
     <p:sldId id="303" r:id="rId12"/>
-    <p:sldId id="278" r:id="rId13"/>
   </p:sldIdLst>
   <p:sldSz cx="9144000" cy="6858000" type="screen4x3"/>
   <p:notesSz cx="6858000" cy="9144000"/>
@@ -299,7 +298,7 @@
           <a:p>
             <a:fld id="{90227CC5-C68A-4540-BD1A-E9B55CA4C0C5}" type="datetimeFigureOut">
               <a:rPr lang="en-US" smtClean="0"/>
-              <a:t>9/7/18</a:t>
+              <a:t>9/10/18</a:t>
             </a:fld>
             <a:endParaRPr lang="en-US"/>
           </a:p>
@@ -469,7 +468,7 @@
           <a:p>
             <a:fld id="{90227CC5-C68A-4540-BD1A-E9B55CA4C0C5}" type="datetimeFigureOut">
               <a:rPr lang="en-US" smtClean="0"/>
-              <a:t>9/7/18</a:t>
+              <a:t>9/10/18</a:t>
             </a:fld>
             <a:endParaRPr lang="en-US"/>
           </a:p>
@@ -649,7 +648,7 @@
           <a:p>
             <a:fld id="{90227CC5-C68A-4540-BD1A-E9B55CA4C0C5}" type="datetimeFigureOut">
               <a:rPr lang="en-US" smtClean="0"/>
-              <a:t>9/7/18</a:t>
+              <a:t>9/10/18</a:t>
             </a:fld>
             <a:endParaRPr lang="en-US"/>
           </a:p>
@@ -819,7 +818,7 @@
           <a:p>
             <a:fld id="{90227CC5-C68A-4540-BD1A-E9B55CA4C0C5}" type="datetimeFigureOut">
               <a:rPr lang="en-US" smtClean="0"/>
-              <a:t>9/7/18</a:t>
+              <a:t>9/10/18</a:t>
             </a:fld>
             <a:endParaRPr lang="en-US"/>
           </a:p>
@@ -1065,7 +1064,7 @@
           <a:p>
             <a:fld id="{90227CC5-C68A-4540-BD1A-E9B55CA4C0C5}" type="datetimeFigureOut">
               <a:rPr lang="en-US" smtClean="0"/>
-              <a:t>9/7/18</a:t>
+              <a:t>9/10/18</a:t>
             </a:fld>
             <a:endParaRPr lang="en-US"/>
           </a:p>
@@ -1353,7 +1352,7 @@
           <a:p>
             <a:fld id="{90227CC5-C68A-4540-BD1A-E9B55CA4C0C5}" type="datetimeFigureOut">
               <a:rPr lang="en-US" smtClean="0"/>
-              <a:t>9/7/18</a:t>
+              <a:t>9/10/18</a:t>
             </a:fld>
             <a:endParaRPr lang="en-US"/>
           </a:p>
@@ -1775,7 +1774,7 @@
           <a:p>
             <a:fld id="{90227CC5-C68A-4540-BD1A-E9B55CA4C0C5}" type="datetimeFigureOut">
               <a:rPr lang="en-US" smtClean="0"/>
-              <a:t>9/7/18</a:t>
+              <a:t>9/10/18</a:t>
             </a:fld>
             <a:endParaRPr lang="en-US"/>
           </a:p>
@@ -1893,7 +1892,7 @@
           <a:p>
             <a:fld id="{90227CC5-C68A-4540-BD1A-E9B55CA4C0C5}" type="datetimeFigureOut">
               <a:rPr lang="en-US" smtClean="0"/>
-              <a:t>9/7/18</a:t>
+              <a:t>9/10/18</a:t>
             </a:fld>
             <a:endParaRPr lang="en-US"/>
           </a:p>
@@ -1988,7 +1987,7 @@
           <a:p>
             <a:fld id="{90227CC5-C68A-4540-BD1A-E9B55CA4C0C5}" type="datetimeFigureOut">
               <a:rPr lang="en-US" smtClean="0"/>
-              <a:t>9/7/18</a:t>
+              <a:t>9/10/18</a:t>
             </a:fld>
             <a:endParaRPr lang="en-US"/>
           </a:p>
@@ -2265,7 +2264,7 @@
           <a:p>
             <a:fld id="{90227CC5-C68A-4540-BD1A-E9B55CA4C0C5}" type="datetimeFigureOut">
               <a:rPr lang="en-US" smtClean="0"/>
-              <a:t>9/7/18</a:t>
+              <a:t>9/10/18</a:t>
             </a:fld>
             <a:endParaRPr lang="en-US"/>
           </a:p>
@@ -2522,7 +2521,7 @@
           <a:p>
             <a:fld id="{90227CC5-C68A-4540-BD1A-E9B55CA4C0C5}" type="datetimeFigureOut">
               <a:rPr lang="en-US" smtClean="0"/>
-              <a:t>9/7/18</a:t>
+              <a:t>9/10/18</a:t>
             </a:fld>
             <a:endParaRPr lang="en-US"/>
           </a:p>
@@ -2735,7 +2734,7 @@
           <a:p>
             <a:fld id="{90227CC5-C68A-4540-BD1A-E9B55CA4C0C5}" type="datetimeFigureOut">
               <a:rPr lang="en-US" smtClean="0"/>
-              <a:t>9/7/18</a:t>
+              <a:t>9/10/18</a:t>
             </a:fld>
             <a:endParaRPr lang="en-US"/>
           </a:p>
@@ -3301,156 +3300,6 @@
 </p:sld>
 </file>
 
-<file path=ppt/slides/slide12.xml><?xml version="1.0" encoding="utf-8"?>
-<p:sld xmlns:a="http://schemas.openxmlformats.org/drawingml/2006/main" xmlns:r="http://schemas.openxmlformats.org/officeDocument/2006/relationships" xmlns:p="http://schemas.openxmlformats.org/presentationml/2006/main">
-  <p:cSld>
-    <p:spTree>
-      <p:nvGrpSpPr>
-        <p:cNvPr id="1" name=""/>
-        <p:cNvGrpSpPr/>
-        <p:nvPr/>
-      </p:nvGrpSpPr>
-      <p:grpSpPr>
-        <a:xfrm>
-          <a:off x="0" y="0"/>
-          <a:ext cx="0" cy="0"/>
-          <a:chOff x="0" y="0"/>
-          <a:chExt cx="0" cy="0"/>
-        </a:xfrm>
-      </p:grpSpPr>
-      <p:sp>
-        <p:nvSpPr>
-          <p:cNvPr id="2" name="Title 1"/>
-          <p:cNvSpPr>
-            <a:spLocks noGrp="1"/>
-          </p:cNvSpPr>
-          <p:nvPr>
-            <p:ph type="title"/>
-          </p:nvPr>
-        </p:nvSpPr>
-        <p:spPr/>
-        <p:txBody>
-          <a:bodyPr/>
-          <a:lstStyle/>
-          <a:p>
-            <a:r>
-              <a:rPr lang="en-US" dirty="0" smtClean="0"/>
-              <a:t>Biases</a:t>
-            </a:r>
-            <a:endParaRPr lang="en-US" dirty="0"/>
-          </a:p>
-        </p:txBody>
-      </p:sp>
-      <p:sp>
-        <p:nvSpPr>
-          <p:cNvPr id="3" name="Content Placeholder 2"/>
-          <p:cNvSpPr>
-            <a:spLocks noGrp="1"/>
-          </p:cNvSpPr>
-          <p:nvPr>
-            <p:ph idx="1"/>
-          </p:nvPr>
-        </p:nvSpPr>
-        <p:spPr/>
-        <p:txBody>
-          <a:bodyPr>
-            <a:normAutofit lnSpcReduction="10000"/>
-          </a:bodyPr>
-          <a:lstStyle/>
-          <a:p>
-            <a:r>
-              <a:rPr lang="en-US" dirty="0" smtClean="0"/>
-              <a:t>Ethereum</a:t>
-            </a:r>
-          </a:p>
-          <a:p>
-            <a:r>
-              <a:rPr lang="en-US" dirty="0" err="1" smtClean="0"/>
-              <a:t>Zcash</a:t>
-            </a:r>
-            <a:endParaRPr lang="en-US" dirty="0" smtClean="0"/>
-          </a:p>
-          <a:p>
-            <a:r>
-              <a:rPr lang="en-US" dirty="0" smtClean="0"/>
-              <a:t>State Channel Research by Counterfactual, L4</a:t>
-            </a:r>
-          </a:p>
-          <a:p>
-            <a:r>
-              <a:rPr lang="en-US" dirty="0" smtClean="0"/>
-              <a:t>Plasma Research by </a:t>
-            </a:r>
-            <a:r>
-              <a:rPr lang="en-US" dirty="0" err="1" smtClean="0"/>
-              <a:t>OmiseGo</a:t>
-            </a:r>
-            <a:endParaRPr lang="en-US" dirty="0" smtClean="0"/>
-          </a:p>
-          <a:p>
-            <a:r>
-              <a:rPr lang="en-US" dirty="0" smtClean="0"/>
-              <a:t>Governance by Aragon, </a:t>
-            </a:r>
-            <a:r>
-              <a:rPr lang="en-US" dirty="0" err="1" smtClean="0"/>
-              <a:t>Ryhope</a:t>
-            </a:r>
-            <a:r>
-              <a:rPr lang="en-US" dirty="0" smtClean="0"/>
-              <a:t> Network,</a:t>
-            </a:r>
-            <a:r>
-              <a:rPr lang="en-US" dirty="0"/>
-              <a:t> </a:t>
-            </a:r>
-            <a:r>
-              <a:rPr lang="en-US" dirty="0" smtClean="0"/>
-              <a:t>and </a:t>
-            </a:r>
-            <a:r>
-              <a:rPr lang="en-US" dirty="0" err="1" smtClean="0"/>
-              <a:t>Harbour</a:t>
-            </a:r>
-            <a:r>
-              <a:rPr lang="en-US" dirty="0" smtClean="0"/>
-              <a:t> Project</a:t>
-            </a:r>
-          </a:p>
-          <a:p>
-            <a:r>
-              <a:rPr lang="en-US" dirty="0" err="1" smtClean="0"/>
-              <a:t>Mimblewimble</a:t>
-            </a:r>
-            <a:r>
-              <a:rPr lang="en-US" dirty="0" smtClean="0"/>
-              <a:t>/Grin</a:t>
-            </a:r>
-          </a:p>
-          <a:p>
-            <a:r>
-              <a:rPr lang="en-US" dirty="0" smtClean="0"/>
-              <a:t>Rust (the programming language)</a:t>
-            </a:r>
-          </a:p>
-          <a:p>
-            <a:endParaRPr lang="en-US" dirty="0"/>
-          </a:p>
-        </p:txBody>
-      </p:sp>
-    </p:spTree>
-    <p:extLst>
-      <p:ext uri="{BB962C8B-B14F-4D97-AF65-F5344CB8AC3E}">
-        <p14:creationId xmlns:p14="http://schemas.microsoft.com/office/powerpoint/2010/main" val="3791790507"/>
-      </p:ext>
-    </p:extLst>
-  </p:cSld>
-  <p:clrMapOvr>
-    <a:masterClrMapping/>
-  </p:clrMapOvr>
-</p:sld>
-</file>
-
 <file path=ppt/slides/slide2.xml><?xml version="1.0" encoding="utf-8"?>
 <p:sld xmlns:a="http://schemas.openxmlformats.org/drawingml/2006/main" xmlns:r="http://schemas.openxmlformats.org/officeDocument/2006/relationships" xmlns:p="http://schemas.openxmlformats.org/presentationml/2006/main">
   <p:cSld>
@@ -3521,7 +3370,6 @@
               <a:rPr lang="en-US" b="1" dirty="0" smtClean="0"/>
               <a:t>Incentive Loops</a:t>
             </a:r>
-            <a:endParaRPr lang="en-US" b="1" dirty="0" smtClean="0"/>
           </a:p>
           <a:p>
             <a:pPr lvl="1"/>
@@ -3573,7 +3421,6 @@
               <a:rPr lang="en-US" dirty="0" smtClean="0"/>
               <a:t>Bitcoin’s Solution</a:t>
             </a:r>
-            <a:endParaRPr lang="en-US" dirty="0" smtClean="0"/>
           </a:p>
           <a:p>
             <a:pPr marL="514350" indent="-514350">
@@ -3584,7 +3431,6 @@
               <a:rPr lang="en-US" b="1" dirty="0" smtClean="0"/>
               <a:t>More</a:t>
             </a:r>
-            <a:endParaRPr lang="en-US" b="1" dirty="0" smtClean="0"/>
           </a:p>
           <a:p>
             <a:pPr lvl="1"/>
@@ -3592,7 +3438,6 @@
               <a:rPr lang="en-US" dirty="0" smtClean="0"/>
               <a:t>Polkadot/Tendermint/Casper</a:t>
             </a:r>
-            <a:endParaRPr lang="en-US" dirty="0" smtClean="0"/>
           </a:p>
           <a:p>
             <a:pPr lvl="1"/>
@@ -3600,7 +3445,6 @@
               <a:rPr lang="en-US" dirty="0" smtClean="0"/>
               <a:t>Other Things</a:t>
             </a:r>
-            <a:endParaRPr lang="en-US" dirty="0" smtClean="0"/>
           </a:p>
         </p:txBody>
       </p:sp>
